--- a/KinecDrone3.pptx
+++ b/KinecDrone3.pptx
@@ -201,7 +201,7 @@
             <a:fld id="{71F336B0-9858-924E-842F-491D2DB7BF35}" type="datetimeFigureOut">
               <a:rPr lang="ja-JP" altLang="en-US" smtClean="0"/>
               <a:pPr/>
-              <a:t>13.10.10</a:t>
+              <a:t>13.12.7</a:t>
             </a:fld>
             <a:endParaRPr lang="ja-JP" altLang="en-US"/>
           </a:p>
@@ -277,7 +277,7 @@
     </p:spTree>
     <p:extLst>
       <p:ext uri="{BB962C8B-B14F-4D97-AF65-F5344CB8AC3E}">
-        <p14:creationId xmlns:p14="http://schemas.microsoft.com/office/powerpoint/2010/main" xmlns:p="http://schemas.openxmlformats.org/presentationml/2006/main" xmlns:r="http://schemas.openxmlformats.org/officeDocument/2006/relationships" xmlns:a="http://schemas.openxmlformats.org/drawingml/2006/main" xmlns="" val="1976769317"/>
+        <p14:creationId xmlns:mc="http://schemas.openxmlformats.org/markup-compatibility/2006" xmlns:mv="urn:schemas-microsoft-com:mac:vml" xmlns:p14="http://schemas.microsoft.com/office/powerpoint/2010/main" xmlns:p="http://schemas.openxmlformats.org/presentationml/2006/main" xmlns:r="http://schemas.openxmlformats.org/officeDocument/2006/relationships" xmlns:a="http://schemas.openxmlformats.org/drawingml/2006/main" xmlns="" val="1976769317"/>
       </p:ext>
     </p:extLst>
   </p:cSld>
@@ -678,7 +678,7 @@
             <a:fld id="{8839B124-D151-7E40-BD00-8DC927F036D0}" type="datetimeFigureOut">
               <a:rPr lang="ja-JP" altLang="en-US" smtClean="0"/>
               <a:pPr/>
-              <a:t>13.10.10</a:t>
+              <a:t>13.12.7</a:t>
             </a:fld>
             <a:endParaRPr lang="ja-JP" altLang="en-US"/>
           </a:p>
@@ -901,7 +901,7 @@
             <a:fld id="{8839B124-D151-7E40-BD00-8DC927F036D0}" type="datetimeFigureOut">
               <a:rPr lang="ja-JP" altLang="en-US" smtClean="0"/>
               <a:pPr/>
-              <a:t>13.10.10</a:t>
+              <a:t>13.12.7</a:t>
             </a:fld>
             <a:endParaRPr lang="ja-JP" altLang="en-US"/>
           </a:p>
@@ -1134,7 +1134,7 @@
             <a:fld id="{8839B124-D151-7E40-BD00-8DC927F036D0}" type="datetimeFigureOut">
               <a:rPr lang="ja-JP" altLang="en-US" smtClean="0"/>
               <a:pPr/>
-              <a:t>13.10.10</a:t>
+              <a:t>13.12.7</a:t>
             </a:fld>
             <a:endParaRPr lang="ja-JP" altLang="en-US"/>
           </a:p>
@@ -1361,7 +1361,7 @@
             <a:fld id="{8839B124-D151-7E40-BD00-8DC927F036D0}" type="datetimeFigureOut">
               <a:rPr lang="ja-JP" altLang="en-US" smtClean="0"/>
               <a:pPr/>
-              <a:t>13.10.10</a:t>
+              <a:t>13.12.7</a:t>
             </a:fld>
             <a:endParaRPr lang="ja-JP" altLang="en-US"/>
           </a:p>
@@ -1842,7 +1842,7 @@
             <a:fld id="{8839B124-D151-7E40-BD00-8DC927F036D0}" type="datetimeFigureOut">
               <a:rPr lang="ja-JP" altLang="en-US" smtClean="0"/>
               <a:pPr/>
-              <a:t>13.10.10</a:t>
+              <a:t>13.12.7</a:t>
             </a:fld>
             <a:endParaRPr lang="ja-JP" altLang="en-US"/>
           </a:p>
@@ -2196,7 +2196,7 @@
             <a:fld id="{8839B124-D151-7E40-BD00-8DC927F036D0}" type="datetimeFigureOut">
               <a:rPr lang="ja-JP" altLang="en-US" smtClean="0"/>
               <a:pPr/>
-              <a:t>13.10.10</a:t>
+              <a:t>13.12.7</a:t>
             </a:fld>
             <a:endParaRPr lang="ja-JP" altLang="en-US"/>
           </a:p>
@@ -2660,7 +2660,7 @@
             <a:fld id="{8839B124-D151-7E40-BD00-8DC927F036D0}" type="datetimeFigureOut">
               <a:rPr lang="ja-JP" altLang="en-US" smtClean="0"/>
               <a:pPr/>
-              <a:t>13.10.10</a:t>
+              <a:t>13.12.7</a:t>
             </a:fld>
             <a:endParaRPr lang="ja-JP" altLang="en-US"/>
           </a:p>
@@ -2808,7 +2808,7 @@
             <a:fld id="{8839B124-D151-7E40-BD00-8DC927F036D0}" type="datetimeFigureOut">
               <a:rPr lang="ja-JP" altLang="en-US" smtClean="0"/>
               <a:pPr/>
-              <a:t>13.10.10</a:t>
+              <a:t>13.12.7</a:t>
             </a:fld>
             <a:endParaRPr lang="ja-JP" altLang="en-US"/>
           </a:p>
@@ -2924,7 +2924,7 @@
             <a:fld id="{8839B124-D151-7E40-BD00-8DC927F036D0}" type="datetimeFigureOut">
               <a:rPr lang="ja-JP" altLang="en-US" smtClean="0"/>
               <a:pPr/>
-              <a:t>13.10.10</a:t>
+              <a:t>13.12.7</a:t>
             </a:fld>
             <a:endParaRPr lang="ja-JP" altLang="en-US"/>
           </a:p>
@@ -3231,7 +3231,7 @@
             <a:fld id="{8839B124-D151-7E40-BD00-8DC927F036D0}" type="datetimeFigureOut">
               <a:rPr lang="ja-JP" altLang="en-US" smtClean="0"/>
               <a:pPr/>
-              <a:t>13.10.10</a:t>
+              <a:t>13.12.7</a:t>
             </a:fld>
             <a:endParaRPr lang="ja-JP" altLang="en-US"/>
           </a:p>
@@ -3506,7 +3506,7 @@
             <a:fld id="{8839B124-D151-7E40-BD00-8DC927F036D0}" type="datetimeFigureOut">
               <a:rPr lang="ja-JP" altLang="en-US" smtClean="0"/>
               <a:pPr/>
-              <a:t>13.10.10</a:t>
+              <a:t>13.12.7</a:t>
             </a:fld>
             <a:endParaRPr lang="ja-JP" altLang="en-US"/>
           </a:p>
@@ -4170,25 +4170,7 @@
                 </a:solidFill>
                 <a:ea typeface="HG丸ｺﾞｼｯｸM-PRO"/>
               </a:rPr>
-              <a:t>を</a:t>
-            </a:r>
-            <a:r>
-              <a:rPr lang="ja-JP" altLang="en-US" sz="2800" dirty="0" smtClean="0">
-                <a:solidFill>
-                  <a:srgbClr val="000000"/>
-                </a:solidFill>
-                <a:ea typeface="HG丸ｺﾞｼｯｸM-PRO"/>
-              </a:rPr>
-              <a:t>用いた</a:t>
-            </a:r>
-            <a:r>
-              <a:rPr lang="ja-JP" altLang="en-US" sz="2800" dirty="0" smtClean="0">
-                <a:solidFill>
-                  <a:srgbClr val="000000"/>
-                </a:solidFill>
-                <a:ea typeface="HG丸ｺﾞｼｯｸM-PRO"/>
-              </a:rPr>
-              <a:t>身体感覚の拡張</a:t>
+              <a:t>を用いた身体感覚の拡張</a:t>
             </a:r>
             <a:r>
               <a:rPr lang="en-US" altLang="ja-JP" sz="2800" dirty="0" smtClean="0">
@@ -4199,12 +4181,6 @@
               </a:rPr>
               <a:t>~</a:t>
             </a:r>
-            <a:endParaRPr lang="en-US" altLang="ja-JP" sz="2800" dirty="0" smtClean="0">
-              <a:solidFill>
-                <a:srgbClr val="000000"/>
-              </a:solidFill>
-              <a:ea typeface="HG丸ｺﾞｼｯｸM-PRO"/>
-            </a:endParaRPr>
           </a:p>
         </p:txBody>
       </p:sp>
@@ -4815,7 +4791,7 @@
     </p:spTree>
     <p:extLst>
       <p:ext uri="{BB962C8B-B14F-4D97-AF65-F5344CB8AC3E}">
-        <p14:creationId xmlns:p14="http://schemas.microsoft.com/office/powerpoint/2010/main" xmlns:p="http://schemas.openxmlformats.org/presentationml/2006/main" xmlns:r="http://schemas.openxmlformats.org/officeDocument/2006/relationships" xmlns:a="http://schemas.openxmlformats.org/drawingml/2006/main" xmlns="" val="2613616601"/>
+        <p14:creationId xmlns:mc="http://schemas.openxmlformats.org/markup-compatibility/2006" xmlns:mv="urn:schemas-microsoft-com:mac:vml" xmlns:p14="http://schemas.microsoft.com/office/powerpoint/2010/main" xmlns:p="http://schemas.openxmlformats.org/presentationml/2006/main" xmlns:r="http://schemas.openxmlformats.org/officeDocument/2006/relationships" xmlns:a="http://schemas.openxmlformats.org/drawingml/2006/main" xmlns="" val="2613616601"/>
       </p:ext>
     </p:extLst>
   </p:cSld>
@@ -5326,7 +5302,7 @@
           <a:blip r:embed="rId2">
             <a:extLst>
               <a:ext uri="{28A0092B-C50C-407E-A947-70E740481C1C}">
-                <a14:useLocalDpi xmlns:a14="http://schemas.microsoft.com/office/drawing/2010/main" xmlns:p="http://schemas.openxmlformats.org/presentationml/2006/main" xmlns:r="http://schemas.openxmlformats.org/officeDocument/2006/relationships" xmlns:a="http://schemas.openxmlformats.org/drawingml/2006/main" xmlns="" val="0"/>
+                <a14:useLocalDpi xmlns:mc="http://schemas.openxmlformats.org/markup-compatibility/2006" xmlns:mv="urn:schemas-microsoft-com:mac:vml" xmlns:a14="http://schemas.microsoft.com/office/drawing/2010/main" xmlns:p="http://schemas.openxmlformats.org/presentationml/2006/main" xmlns:r="http://schemas.openxmlformats.org/officeDocument/2006/relationships" xmlns:a="http://schemas.openxmlformats.org/drawingml/2006/main" xmlns="" val="0"/>
               </a:ext>
             </a:extLst>
           </a:blip>
@@ -5623,37 +5599,25 @@
             </a:r>
             <a:r>
               <a:rPr lang="ja-JP" altLang="en-US" dirty="0" smtClean="0"/>
-              <a:t>のカメラ映像は画角が狭く、解像度が低いため操作が</a:t>
-            </a:r>
+              <a:t>のカメラ映像は画角が狭く、解像度が低いため操作が困難</a:t>
+            </a:r>
+            <a:endParaRPr lang="en-US" altLang="ja-JP" dirty="0" smtClean="0"/>
+          </a:p>
+          <a:p>
+            <a:endParaRPr lang="en-US" altLang="ja-JP" dirty="0" smtClean="0"/>
+          </a:p>
+          <a:p>
             <a:r>
               <a:rPr lang="ja-JP" altLang="en-US" dirty="0" smtClean="0"/>
-              <a:t>困難</a:t>
+              <a:t>複雑な動作にすると直感的に操作できなくなる</a:t>
             </a:r>
             <a:endParaRPr lang="en-US" altLang="ja-JP" dirty="0" smtClean="0"/>
           </a:p>
           <a:p>
-            <a:endParaRPr lang="en-US" altLang="ja-JP" dirty="0" smtClean="0"/>
-          </a:p>
-          <a:p>
+            <a:pPr lvl="1"/>
             <a:r>
               <a:rPr lang="ja-JP" altLang="en-US" dirty="0" smtClean="0"/>
-              <a:t>複雑</a:t>
-            </a:r>
-            <a:r>
-              <a:rPr lang="ja-JP" altLang="en-US" dirty="0" smtClean="0"/>
-              <a:t>な動作にすると直感的に操作できなくなる</a:t>
-            </a:r>
-            <a:endParaRPr lang="en-US" altLang="ja-JP" dirty="0" smtClean="0"/>
-          </a:p>
-          <a:p>
-            <a:pPr lvl="1"/>
-            <a:r>
-              <a:rPr lang="ja-JP" altLang="en-US" dirty="0" smtClean="0"/>
-              <a:t>命令の</a:t>
-            </a:r>
-            <a:r>
-              <a:rPr lang="ja-JP" altLang="en-US" dirty="0" smtClean="0"/>
-              <a:t>簡易化</a:t>
+              <a:t>命令の簡易化</a:t>
             </a:r>
             <a:endParaRPr lang="en-US" altLang="ja-JP" dirty="0" smtClean="0"/>
           </a:p>
@@ -5826,35 +5790,7 @@
             <a:pPr lvl="1"/>
             <a:r>
               <a:rPr lang="ja-JP" altLang="en-US" dirty="0" smtClean="0"/>
-              <a:t>カメラを増やすまたは</a:t>
-            </a:r>
-            <a:r>
-              <a:rPr lang="ja-JP" altLang="en-US" dirty="0" smtClean="0"/>
-              <a:t>変える</a:t>
-            </a:r>
-            <a:r>
-              <a:rPr lang="ja-JP" altLang="en-US" dirty="0" smtClean="0"/>
-              <a:t>か</a:t>
-            </a:r>
-            <a:r>
-              <a:rPr lang="ja-JP" altLang="en-US" dirty="0" smtClean="0"/>
-              <a:t>画像</a:t>
-            </a:r>
-            <a:r>
-              <a:rPr lang="ja-JP" altLang="en-US" dirty="0" smtClean="0"/>
-              <a:t>にエフェクトを</a:t>
-            </a:r>
-            <a:r>
-              <a:rPr lang="ja-JP" altLang="en-US" dirty="0" smtClean="0"/>
-              <a:t>つけ</a:t>
-            </a:r>
-            <a:r>
-              <a:rPr lang="ja-JP" altLang="en-US" dirty="0" smtClean="0"/>
-              <a:t>プレイヤーの視覚情報を</a:t>
-            </a:r>
-            <a:r>
-              <a:rPr lang="ja-JP" altLang="en-US" dirty="0" smtClean="0"/>
-              <a:t>補う</a:t>
+              <a:t>カメラを増やすまたは変えるか画像にエフェクトをつけプレイヤーの視覚情報を補う</a:t>
             </a:r>
             <a:endParaRPr lang="en-US" altLang="ja-JP" dirty="0" smtClean="0"/>
           </a:p>
